--- a/LO2/Media/FreshChoice_Scrum.pptx
+++ b/LO2/Media/FreshChoice_Scrum.pptx
@@ -7,6 +7,9 @@
   <p:sldIdLst>
     <p:sldId id="256" r:id="rId2"/>
     <p:sldId id="257" r:id="rId3"/>
+    <p:sldId id="259" r:id="rId4"/>
+    <p:sldId id="258" r:id="rId5"/>
+    <p:sldId id="261" r:id="rId6"/>
   </p:sldIdLst>
   <p:sldSz cx="12192000" cy="6858000"/>
   <p:notesSz cx="6858000" cy="9144000"/>
@@ -105,6 +108,11 @@
       </a:defRPr>
     </a:lvl9pPr>
   </p:defaultTextStyle>
+  <p:extLst>
+    <p:ext uri="{EFAFB233-063F-42B5-8137-9DF3F51BA10A}">
+      <p15:sldGuideLst xmlns:p15="http://schemas.microsoft.com/office/powerpoint/2012/main"/>
+    </p:ext>
+  </p:extLst>
 </p:presentation>
 </file>
 
@@ -255,7 +263,7 @@
           <a:p>
             <a:fld id="{22332697-8665-4B2A-A253-95C5C896AE70}" type="datetimeFigureOut">
               <a:rPr lang="nl-NL" smtClean="0"/>
-              <a:t>17-12-2025</a:t>
+              <a:t>19-12-2025</a:t>
             </a:fld>
             <a:endParaRPr lang="nl-NL"/>
           </a:p>
@@ -453,7 +461,7 @@
           <a:p>
             <a:fld id="{22332697-8665-4B2A-A253-95C5C896AE70}" type="datetimeFigureOut">
               <a:rPr lang="nl-NL" smtClean="0"/>
-              <a:t>17-12-2025</a:t>
+              <a:t>19-12-2025</a:t>
             </a:fld>
             <a:endParaRPr lang="nl-NL"/>
           </a:p>
@@ -661,7 +669,7 @@
           <a:p>
             <a:fld id="{22332697-8665-4B2A-A253-95C5C896AE70}" type="datetimeFigureOut">
               <a:rPr lang="nl-NL" smtClean="0"/>
-              <a:t>17-12-2025</a:t>
+              <a:t>19-12-2025</a:t>
             </a:fld>
             <a:endParaRPr lang="nl-NL"/>
           </a:p>
@@ -859,7 +867,7 @@
           <a:p>
             <a:fld id="{22332697-8665-4B2A-A253-95C5C896AE70}" type="datetimeFigureOut">
               <a:rPr lang="nl-NL" smtClean="0"/>
-              <a:t>17-12-2025</a:t>
+              <a:t>19-12-2025</a:t>
             </a:fld>
             <a:endParaRPr lang="nl-NL"/>
           </a:p>
@@ -1134,7 +1142,7 @@
           <a:p>
             <a:fld id="{22332697-8665-4B2A-A253-95C5C896AE70}" type="datetimeFigureOut">
               <a:rPr lang="nl-NL" smtClean="0"/>
-              <a:t>17-12-2025</a:t>
+              <a:t>19-12-2025</a:t>
             </a:fld>
             <a:endParaRPr lang="nl-NL"/>
           </a:p>
@@ -1399,7 +1407,7 @@
           <a:p>
             <a:fld id="{22332697-8665-4B2A-A253-95C5C896AE70}" type="datetimeFigureOut">
               <a:rPr lang="nl-NL" smtClean="0"/>
-              <a:t>17-12-2025</a:t>
+              <a:t>19-12-2025</a:t>
             </a:fld>
             <a:endParaRPr lang="nl-NL"/>
           </a:p>
@@ -1811,7 +1819,7 @@
           <a:p>
             <a:fld id="{22332697-8665-4B2A-A253-95C5C896AE70}" type="datetimeFigureOut">
               <a:rPr lang="nl-NL" smtClean="0"/>
-              <a:t>17-12-2025</a:t>
+              <a:t>19-12-2025</a:t>
             </a:fld>
             <a:endParaRPr lang="nl-NL"/>
           </a:p>
@@ -1952,7 +1960,7 @@
           <a:p>
             <a:fld id="{22332697-8665-4B2A-A253-95C5C896AE70}" type="datetimeFigureOut">
               <a:rPr lang="nl-NL" smtClean="0"/>
-              <a:t>17-12-2025</a:t>
+              <a:t>19-12-2025</a:t>
             </a:fld>
             <a:endParaRPr lang="nl-NL"/>
           </a:p>
@@ -2065,7 +2073,7 @@
           <a:p>
             <a:fld id="{22332697-8665-4B2A-A253-95C5C896AE70}" type="datetimeFigureOut">
               <a:rPr lang="nl-NL" smtClean="0"/>
-              <a:t>17-12-2025</a:t>
+              <a:t>19-12-2025</a:t>
             </a:fld>
             <a:endParaRPr lang="nl-NL"/>
           </a:p>
@@ -2376,7 +2384,7 @@
           <a:p>
             <a:fld id="{22332697-8665-4B2A-A253-95C5C896AE70}" type="datetimeFigureOut">
               <a:rPr lang="nl-NL" smtClean="0"/>
-              <a:t>17-12-2025</a:t>
+              <a:t>19-12-2025</a:t>
             </a:fld>
             <a:endParaRPr lang="nl-NL"/>
           </a:p>
@@ -2664,7 +2672,7 @@
           <a:p>
             <a:fld id="{22332697-8665-4B2A-A253-95C5C896AE70}" type="datetimeFigureOut">
               <a:rPr lang="nl-NL" smtClean="0"/>
-              <a:t>17-12-2025</a:t>
+              <a:t>19-12-2025</a:t>
             </a:fld>
             <a:endParaRPr lang="nl-NL"/>
           </a:p>
@@ -2905,7 +2913,7 @@
           <a:p>
             <a:fld id="{22332697-8665-4B2A-A253-95C5C896AE70}" type="datetimeFigureOut">
               <a:rPr lang="nl-NL" smtClean="0"/>
-              <a:t>17-12-2025</a:t>
+              <a:t>19-12-2025</a:t>
             </a:fld>
             <a:endParaRPr lang="nl-NL"/>
           </a:p>
@@ -3351,7 +3359,7 @@
         </p:blipFill>
         <p:spPr>
           <a:xfrm>
-            <a:off x="-254000" y="-272753"/>
+            <a:off x="-224503" y="-272753"/>
             <a:ext cx="13482320" cy="7130753"/>
           </a:xfrm>
           <a:prstGeom prst="rect">
@@ -3361,10 +3369,10 @@
       </p:pic>
       <p:pic>
         <p:nvPicPr>
-          <p:cNvPr id="10" name="Afbeelding 9" descr="Afbeelding met tekst, Lettertype, Graphics, typografie&#10;&#10;Door AI gegenereerde inhoud is mogelijk onjuist.">
-            <a:extLst>
-              <a:ext uri="{FF2B5EF4-FFF2-40B4-BE49-F238E27FC236}">
-                <a16:creationId xmlns:a16="http://schemas.microsoft.com/office/drawing/2014/main" id="{A75FE42E-91A9-ADB4-5E6D-3FFBFB7605B8}"/>
+          <p:cNvPr id="7" name="Afbeelding 6" descr="Afbeelding met tekst, Lettertype, Graphics, typografie&#10;&#10;Door AI gegenereerde inhoud is mogelijk onjuist.">
+            <a:extLst>
+              <a:ext uri="{FF2B5EF4-FFF2-40B4-BE49-F238E27FC236}">
+                <a16:creationId xmlns:a16="http://schemas.microsoft.com/office/drawing/2014/main" id="{A7045C48-8DE9-6131-F4C2-655C6ADE1008}"/>
               </a:ext>
             </a:extLst>
           </p:cNvPr>
@@ -3387,8 +3395,8 @@
         </p:blipFill>
         <p:spPr>
           <a:xfrm>
-            <a:off x="2492523" y="-702014"/>
-            <a:ext cx="7989273" cy="7989273"/>
+            <a:off x="3032140" y="-197358"/>
+            <a:ext cx="6979961" cy="6979961"/>
           </a:xfrm>
           <a:prstGeom prst="rect">
             <a:avLst/>
@@ -3462,10 +3470,380 @@
           </a:prstGeom>
         </p:spPr>
       </p:pic>
+      <p:pic>
+        <p:nvPicPr>
+          <p:cNvPr id="7" name="Afbeelding 6" descr="Afbeelding met Lettertype, tekst, Graphics, grafische vormgeving&#10;&#10;Door AI gegenereerde inhoud is mogelijk onjuist.">
+            <a:extLst>
+              <a:ext uri="{FF2B5EF4-FFF2-40B4-BE49-F238E27FC236}">
+                <a16:creationId xmlns:a16="http://schemas.microsoft.com/office/drawing/2014/main" id="{8E8525DA-BA05-7243-CF48-586D342F452F}"/>
+              </a:ext>
+            </a:extLst>
+          </p:cNvPr>
+          <p:cNvPicPr>
+            <a:picLocks noChangeAspect="1"/>
+          </p:cNvPicPr>
+          <p:nvPr/>
+        </p:nvPicPr>
+        <p:blipFill>
+          <a:blip r:embed="rId3">
+            <a:extLst>
+              <a:ext uri="{28A0092B-C50C-407E-A947-70E740481C1C}">
+                <a14:useLocalDpi xmlns:a14="http://schemas.microsoft.com/office/drawing/2010/main" val="0"/>
+              </a:ext>
+            </a:extLst>
+          </a:blip>
+          <a:srcRect t="20772" b="52734"/>
+          <a:stretch>
+            <a:fillRect/>
+          </a:stretch>
+        </p:blipFill>
+        <p:spPr>
+          <a:xfrm>
+            <a:off x="0" y="5081286"/>
+            <a:ext cx="7121009" cy="1886673"/>
+          </a:xfrm>
+          <a:prstGeom prst="rect">
+            <a:avLst/>
+          </a:prstGeom>
+        </p:spPr>
+      </p:pic>
+      <p:sp>
+        <p:nvSpPr>
+          <p:cNvPr id="9" name="Tekstvak 8">
+            <a:extLst>
+              <a:ext uri="{FF2B5EF4-FFF2-40B4-BE49-F238E27FC236}">
+                <a16:creationId xmlns:a16="http://schemas.microsoft.com/office/drawing/2014/main" id="{A6AE17A1-7117-3853-4628-7C218148EC9C}"/>
+              </a:ext>
+            </a:extLst>
+          </p:cNvPr>
+          <p:cNvSpPr txBox="1"/>
+          <p:nvPr/>
+        </p:nvSpPr>
+        <p:spPr>
+          <a:xfrm>
+            <a:off x="6096000" y="891249"/>
+            <a:ext cx="2118168" cy="461665"/>
+          </a:xfrm>
+          <a:prstGeom prst="rect">
+            <a:avLst/>
+          </a:prstGeom>
+          <a:noFill/>
+        </p:spPr>
+        <p:txBody>
+          <a:bodyPr wrap="square" rtlCol="0">
+            <a:spAutoFit/>
+          </a:bodyPr>
+          <a:lstStyle/>
+          <a:p>
+            <a:r>
+              <a:rPr lang="nl-NL" sz="2400" dirty="0">
+                <a:solidFill>
+                  <a:srgbClr val="9CA763"/>
+                </a:solidFill>
+                <a:latin typeface="Poppins SemiBold" panose="00000700000000000000" pitchFamily="2" charset="0"/>
+                <a:cs typeface="Poppins SemiBold" panose="00000700000000000000" pitchFamily="2" charset="0"/>
+              </a:rPr>
+              <a:t>Wireframe</a:t>
+            </a:r>
+          </a:p>
+        </p:txBody>
+      </p:sp>
     </p:spTree>
     <p:extLst>
       <p:ext uri="{BB962C8B-B14F-4D97-AF65-F5344CB8AC3E}">
         <p14:creationId xmlns:p14="http://schemas.microsoft.com/office/powerpoint/2010/main" val="1374497258"/>
+      </p:ext>
+    </p:extLst>
+  </p:cSld>
+  <p:clrMapOvr>
+    <a:masterClrMapping/>
+  </p:clrMapOvr>
+</p:sld>
+</file>
+
+<file path=ppt/slides/slide3.xml><?xml version="1.0" encoding="utf-8"?>
+<p:sld xmlns:a="http://schemas.openxmlformats.org/drawingml/2006/main" xmlns:r="http://schemas.openxmlformats.org/officeDocument/2006/relationships" xmlns:p="http://schemas.openxmlformats.org/presentationml/2006/main">
+  <p:cSld>
+    <p:spTree>
+      <p:nvGrpSpPr>
+        <p:cNvPr id="1" name="">
+          <a:extLst>
+            <a:ext uri="{FF2B5EF4-FFF2-40B4-BE49-F238E27FC236}">
+              <a16:creationId xmlns:a16="http://schemas.microsoft.com/office/drawing/2014/main" id="{0CB88693-7CC5-CC6A-B714-69607ADC3F69}"/>
+            </a:ext>
+          </a:extLst>
+        </p:cNvPr>
+        <p:cNvGrpSpPr/>
+        <p:nvPr/>
+      </p:nvGrpSpPr>
+      <p:grpSpPr>
+        <a:xfrm>
+          <a:off x="0" y="0"/>
+          <a:ext cx="0" cy="0"/>
+          <a:chOff x="0" y="0"/>
+          <a:chExt cx="0" cy="0"/>
+        </a:xfrm>
+      </p:grpSpPr>
+      <p:pic>
+        <p:nvPicPr>
+          <p:cNvPr id="5" name="Afbeelding 4">
+            <a:extLst>
+              <a:ext uri="{FF2B5EF4-FFF2-40B4-BE49-F238E27FC236}">
+                <a16:creationId xmlns:a16="http://schemas.microsoft.com/office/drawing/2014/main" id="{04C20030-EDD2-0F27-8F0C-14F1FEF97F23}"/>
+              </a:ext>
+            </a:extLst>
+          </p:cNvPr>
+          <p:cNvPicPr>
+            <a:picLocks noChangeAspect="1"/>
+          </p:cNvPicPr>
+          <p:nvPr/>
+        </p:nvPicPr>
+        <p:blipFill>
+          <a:blip r:embed="rId2">
+            <a:extLst>
+              <a:ext uri="{28A0092B-C50C-407E-A947-70E740481C1C}">
+                <a14:useLocalDpi xmlns:a14="http://schemas.microsoft.com/office/drawing/2010/main" val="0"/>
+              </a:ext>
+            </a:extLst>
+          </a:blip>
+          <a:srcRect t="5730" r="2939" b="39674"/>
+          <a:stretch>
+            <a:fillRect/>
+          </a:stretch>
+        </p:blipFill>
+        <p:spPr>
+          <a:xfrm>
+            <a:off x="1" y="0"/>
+            <a:ext cx="12192000" cy="6858000"/>
+          </a:xfrm>
+          <a:prstGeom prst="rect">
+            <a:avLst/>
+          </a:prstGeom>
+        </p:spPr>
+      </p:pic>
+    </p:spTree>
+    <p:extLst>
+      <p:ext uri="{BB962C8B-B14F-4D97-AF65-F5344CB8AC3E}">
+        <p14:creationId xmlns:p14="http://schemas.microsoft.com/office/powerpoint/2010/main" val="2775584114"/>
+      </p:ext>
+    </p:extLst>
+  </p:cSld>
+  <p:clrMapOvr>
+    <a:masterClrMapping/>
+  </p:clrMapOvr>
+</p:sld>
+</file>
+
+<file path=ppt/slides/slide4.xml><?xml version="1.0" encoding="utf-8"?>
+<p:sld xmlns:a="http://schemas.openxmlformats.org/drawingml/2006/main" xmlns:r="http://schemas.openxmlformats.org/officeDocument/2006/relationships" xmlns:p="http://schemas.openxmlformats.org/presentationml/2006/main">
+  <p:cSld>
+    <p:spTree>
+      <p:nvGrpSpPr>
+        <p:cNvPr id="1" name="">
+          <a:extLst>
+            <a:ext uri="{FF2B5EF4-FFF2-40B4-BE49-F238E27FC236}">
+              <a16:creationId xmlns:a16="http://schemas.microsoft.com/office/drawing/2014/main" id="{B43CA590-50AD-2D5C-A139-ED701D96D9A1}"/>
+            </a:ext>
+          </a:extLst>
+        </p:cNvPr>
+        <p:cNvGrpSpPr/>
+        <p:nvPr/>
+      </p:nvGrpSpPr>
+      <p:grpSpPr>
+        <a:xfrm>
+          <a:off x="0" y="0"/>
+          <a:ext cx="0" cy="0"/>
+          <a:chOff x="0" y="0"/>
+          <a:chExt cx="0" cy="0"/>
+        </a:xfrm>
+      </p:grpSpPr>
+      <p:pic>
+        <p:nvPicPr>
+          <p:cNvPr id="5" name="Afbeelding 4">
+            <a:extLst>
+              <a:ext uri="{FF2B5EF4-FFF2-40B4-BE49-F238E27FC236}">
+                <a16:creationId xmlns:a16="http://schemas.microsoft.com/office/drawing/2014/main" id="{8BCF4787-F55C-B930-A054-27B3999C83BC}"/>
+              </a:ext>
+            </a:extLst>
+          </p:cNvPr>
+          <p:cNvPicPr>
+            <a:picLocks noChangeAspect="1"/>
+          </p:cNvPicPr>
+          <p:nvPr/>
+        </p:nvPicPr>
+        <p:blipFill>
+          <a:blip r:embed="rId2">
+            <a:extLst>
+              <a:ext uri="{28A0092B-C50C-407E-A947-70E740481C1C}">
+                <a14:useLocalDpi xmlns:a14="http://schemas.microsoft.com/office/drawing/2010/main" val="0"/>
+              </a:ext>
+            </a:extLst>
+          </a:blip>
+          <a:srcRect t="5730" r="2939" b="39674"/>
+          <a:stretch>
+            <a:fillRect/>
+          </a:stretch>
+        </p:blipFill>
+        <p:spPr>
+          <a:xfrm>
+            <a:off x="1" y="0"/>
+            <a:ext cx="12192000" cy="6858000"/>
+          </a:xfrm>
+          <a:prstGeom prst="rect">
+            <a:avLst/>
+          </a:prstGeom>
+        </p:spPr>
+      </p:pic>
+      <p:pic>
+        <p:nvPicPr>
+          <p:cNvPr id="6" name="Afbeelding 5" descr="Afbeelding met Lettertype, tekst, Graphics, grafische vormgeving&#10;&#10;Door AI gegenereerde inhoud is mogelijk onjuist.">
+            <a:extLst>
+              <a:ext uri="{FF2B5EF4-FFF2-40B4-BE49-F238E27FC236}">
+                <a16:creationId xmlns:a16="http://schemas.microsoft.com/office/drawing/2014/main" id="{8D11CA7E-C050-D257-2A41-CBF7BD3CE651}"/>
+              </a:ext>
+            </a:extLst>
+          </p:cNvPr>
+          <p:cNvPicPr>
+            <a:picLocks noChangeAspect="1"/>
+          </p:cNvPicPr>
+          <p:nvPr/>
+        </p:nvPicPr>
+        <p:blipFill>
+          <a:blip r:embed="rId3">
+            <a:extLst>
+              <a:ext uri="{28A0092B-C50C-407E-A947-70E740481C1C}">
+                <a14:useLocalDpi xmlns:a14="http://schemas.microsoft.com/office/drawing/2010/main" val="0"/>
+              </a:ext>
+            </a:extLst>
+          </a:blip>
+          <a:srcRect t="45321" b="31345"/>
+          <a:stretch>
+            <a:fillRect/>
+          </a:stretch>
+        </p:blipFill>
+        <p:spPr>
+          <a:xfrm>
+            <a:off x="0" y="5029199"/>
+            <a:ext cx="7142858" cy="1666755"/>
+          </a:xfrm>
+          <a:prstGeom prst="rect">
+            <a:avLst/>
+          </a:prstGeom>
+        </p:spPr>
+      </p:pic>
+    </p:spTree>
+    <p:extLst>
+      <p:ext uri="{BB962C8B-B14F-4D97-AF65-F5344CB8AC3E}">
+        <p14:creationId xmlns:p14="http://schemas.microsoft.com/office/powerpoint/2010/main" val="1980876910"/>
+      </p:ext>
+    </p:extLst>
+  </p:cSld>
+  <p:clrMapOvr>
+    <a:masterClrMapping/>
+  </p:clrMapOvr>
+</p:sld>
+</file>
+
+<file path=ppt/slides/slide5.xml><?xml version="1.0" encoding="utf-8"?>
+<p:sld xmlns:a="http://schemas.openxmlformats.org/drawingml/2006/main" xmlns:r="http://schemas.openxmlformats.org/officeDocument/2006/relationships" xmlns:p="http://schemas.openxmlformats.org/presentationml/2006/main">
+  <p:cSld>
+    <p:spTree>
+      <p:nvGrpSpPr>
+        <p:cNvPr id="1" name="">
+          <a:extLst>
+            <a:ext uri="{FF2B5EF4-FFF2-40B4-BE49-F238E27FC236}">
+              <a16:creationId xmlns:a16="http://schemas.microsoft.com/office/drawing/2014/main" id="{8BD26BFB-BC74-E0F3-C8BC-7286A1936B2B}"/>
+            </a:ext>
+          </a:extLst>
+        </p:cNvPr>
+        <p:cNvGrpSpPr/>
+        <p:nvPr/>
+      </p:nvGrpSpPr>
+      <p:grpSpPr>
+        <a:xfrm>
+          <a:off x="0" y="0"/>
+          <a:ext cx="0" cy="0"/>
+          <a:chOff x="0" y="0"/>
+          <a:chExt cx="0" cy="0"/>
+        </a:xfrm>
+      </p:grpSpPr>
+      <p:pic>
+        <p:nvPicPr>
+          <p:cNvPr id="8" name="Afbeelding 7" descr="Afbeelding met groen&#10;&#10;Door AI gegenereerde inhoud is mogelijk onjuist.">
+            <a:extLst>
+              <a:ext uri="{FF2B5EF4-FFF2-40B4-BE49-F238E27FC236}">
+                <a16:creationId xmlns:a16="http://schemas.microsoft.com/office/drawing/2014/main" id="{12A87D3A-6517-1BFD-BE43-24BFD1C8F1CC}"/>
+              </a:ext>
+            </a:extLst>
+          </p:cNvPr>
+          <p:cNvPicPr>
+            <a:picLocks noChangeAspect="1"/>
+          </p:cNvPicPr>
+          <p:nvPr/>
+        </p:nvPicPr>
+        <p:blipFill>
+          <a:blip r:embed="rId2">
+            <a:extLst>
+              <a:ext uri="{28A0092B-C50C-407E-A947-70E740481C1C}">
+                <a14:useLocalDpi xmlns:a14="http://schemas.microsoft.com/office/drawing/2010/main" val="0"/>
+              </a:ext>
+            </a:extLst>
+          </a:blip>
+          <a:srcRect r="301" b="47269"/>
+          <a:stretch>
+            <a:fillRect/>
+          </a:stretch>
+        </p:blipFill>
+        <p:spPr>
+          <a:xfrm>
+            <a:off x="-224503" y="-272753"/>
+            <a:ext cx="13482320" cy="7130753"/>
+          </a:xfrm>
+          <a:prstGeom prst="rect">
+            <a:avLst/>
+          </a:prstGeom>
+        </p:spPr>
+      </p:pic>
+      <p:pic>
+        <p:nvPicPr>
+          <p:cNvPr id="3" name="Afbeelding 2">
+            <a:extLst>
+              <a:ext uri="{FF2B5EF4-FFF2-40B4-BE49-F238E27FC236}">
+                <a16:creationId xmlns:a16="http://schemas.microsoft.com/office/drawing/2014/main" id="{BCE58486-2EF7-0390-B619-4D02B18E268C}"/>
+              </a:ext>
+            </a:extLst>
+          </p:cNvPr>
+          <p:cNvPicPr>
+            <a:picLocks noChangeAspect="1"/>
+          </p:cNvPicPr>
+          <p:nvPr/>
+        </p:nvPicPr>
+        <p:blipFill>
+          <a:blip r:embed="rId3">
+            <a:extLst>
+              <a:ext uri="{28A0092B-C50C-407E-A947-70E740481C1C}">
+                <a14:useLocalDpi xmlns:a14="http://schemas.microsoft.com/office/drawing/2010/main" val="0"/>
+              </a:ext>
+            </a:extLst>
+          </a:blip>
+          <a:stretch>
+            <a:fillRect/>
+          </a:stretch>
+        </p:blipFill>
+        <p:spPr>
+          <a:xfrm>
+            <a:off x="3206084" y="-17950"/>
+            <a:ext cx="6621145" cy="6621145"/>
+          </a:xfrm>
+          <a:prstGeom prst="rect">
+            <a:avLst/>
+          </a:prstGeom>
+        </p:spPr>
+      </p:pic>
+    </p:spTree>
+    <p:extLst>
+      <p:ext uri="{BB962C8B-B14F-4D97-AF65-F5344CB8AC3E}">
+        <p14:creationId xmlns:p14="http://schemas.microsoft.com/office/powerpoint/2010/main" val="1440586499"/>
       </p:ext>
     </p:extLst>
   </p:cSld>
